--- a/Statistik ex/Workshop 2 Fremlægning.pptx
+++ b/Statistik ex/Workshop 2 Fremlægning.pptx
@@ -125,6 +125,11 @@
       </a:defRPr>
     </a:lvl9pPr>
   </p:defaultTextStyle>
+  <p:extLst>
+    <p:ext uri="{EFAFB233-063F-42B5-8137-9DF3F51BA10A}">
+      <p15:sldGuideLst xmlns:p15="http://schemas.microsoft.com/office/powerpoint/2012/main"/>
+    </p:ext>
+  </p:extLst>
 </p:presentation>
 </file>
 
@@ -1263,7 +1268,7 @@
           <a:p>
             <a:fld id="{6727B57E-A020-48BC-A743-533819CDDD22}" type="datetimeFigureOut">
               <a:rPr lang="da-DK" smtClean="0"/>
-              <a:t>12-01-2025</a:t>
+              <a:t>16-01-2025</a:t>
             </a:fld>
             <a:endParaRPr lang="da-DK"/>
           </a:p>
@@ -1461,7 +1466,7 @@
           <a:p>
             <a:fld id="{6727B57E-A020-48BC-A743-533819CDDD22}" type="datetimeFigureOut">
               <a:rPr lang="da-DK" smtClean="0"/>
-              <a:t>12-01-2025</a:t>
+              <a:t>16-01-2025</a:t>
             </a:fld>
             <a:endParaRPr lang="da-DK"/>
           </a:p>
@@ -1669,7 +1674,7 @@
           <a:p>
             <a:fld id="{6727B57E-A020-48BC-A743-533819CDDD22}" type="datetimeFigureOut">
               <a:rPr lang="da-DK" smtClean="0"/>
-              <a:t>12-01-2025</a:t>
+              <a:t>16-01-2025</a:t>
             </a:fld>
             <a:endParaRPr lang="da-DK"/>
           </a:p>
@@ -1867,7 +1872,7 @@
           <a:p>
             <a:fld id="{6727B57E-A020-48BC-A743-533819CDDD22}" type="datetimeFigureOut">
               <a:rPr lang="da-DK" smtClean="0"/>
-              <a:t>12-01-2025</a:t>
+              <a:t>16-01-2025</a:t>
             </a:fld>
             <a:endParaRPr lang="da-DK"/>
           </a:p>
@@ -2142,7 +2147,7 @@
           <a:p>
             <a:fld id="{6727B57E-A020-48BC-A743-533819CDDD22}" type="datetimeFigureOut">
               <a:rPr lang="da-DK" smtClean="0"/>
-              <a:t>12-01-2025</a:t>
+              <a:t>16-01-2025</a:t>
             </a:fld>
             <a:endParaRPr lang="da-DK"/>
           </a:p>
@@ -2407,7 +2412,7 @@
           <a:p>
             <a:fld id="{6727B57E-A020-48BC-A743-533819CDDD22}" type="datetimeFigureOut">
               <a:rPr lang="da-DK" smtClean="0"/>
-              <a:t>12-01-2025</a:t>
+              <a:t>16-01-2025</a:t>
             </a:fld>
             <a:endParaRPr lang="da-DK"/>
           </a:p>
@@ -2819,7 +2824,7 @@
           <a:p>
             <a:fld id="{6727B57E-A020-48BC-A743-533819CDDD22}" type="datetimeFigureOut">
               <a:rPr lang="da-DK" smtClean="0"/>
-              <a:t>12-01-2025</a:t>
+              <a:t>16-01-2025</a:t>
             </a:fld>
             <a:endParaRPr lang="da-DK"/>
           </a:p>
@@ -2960,7 +2965,7 @@
           <a:p>
             <a:fld id="{6727B57E-A020-48BC-A743-533819CDDD22}" type="datetimeFigureOut">
               <a:rPr lang="da-DK" smtClean="0"/>
-              <a:t>12-01-2025</a:t>
+              <a:t>16-01-2025</a:t>
             </a:fld>
             <a:endParaRPr lang="da-DK"/>
           </a:p>
@@ -3073,7 +3078,7 @@
           <a:p>
             <a:fld id="{6727B57E-A020-48BC-A743-533819CDDD22}" type="datetimeFigureOut">
               <a:rPr lang="da-DK" smtClean="0"/>
-              <a:t>12-01-2025</a:t>
+              <a:t>16-01-2025</a:t>
             </a:fld>
             <a:endParaRPr lang="da-DK"/>
           </a:p>
@@ -3384,7 +3389,7 @@
           <a:p>
             <a:fld id="{6727B57E-A020-48BC-A743-533819CDDD22}" type="datetimeFigureOut">
               <a:rPr lang="da-DK" smtClean="0"/>
-              <a:t>12-01-2025</a:t>
+              <a:t>16-01-2025</a:t>
             </a:fld>
             <a:endParaRPr lang="da-DK"/>
           </a:p>
@@ -3672,7 +3677,7 @@
           <a:p>
             <a:fld id="{6727B57E-A020-48BC-A743-533819CDDD22}" type="datetimeFigureOut">
               <a:rPr lang="da-DK" smtClean="0"/>
-              <a:t>12-01-2025</a:t>
+              <a:t>16-01-2025</a:t>
             </a:fld>
             <a:endParaRPr lang="da-DK"/>
           </a:p>
@@ -3913,7 +3918,7 @@
           <a:p>
             <a:fld id="{6727B57E-A020-48BC-A743-533819CDDD22}" type="datetimeFigureOut">
               <a:rPr lang="da-DK" smtClean="0"/>
-              <a:t>12-01-2025</a:t>
+              <a:t>16-01-2025</a:t>
             </a:fld>
             <a:endParaRPr lang="da-DK"/>
           </a:p>
@@ -4420,8 +4425,8 @@
           <a:chExt cx="0" cy="0"/>
         </a:xfrm>
       </p:grpSpPr>
-      <mc:AlternateContent xmlns:mc="http://schemas.openxmlformats.org/markup-compatibility/2006">
-        <mc:Choice xmlns:a14="http://schemas.microsoft.com/office/drawing/2010/main" Requires="a14">
+      <mc:AlternateContent xmlns:mc="http://schemas.openxmlformats.org/markup-compatibility/2006" xmlns:a14="http://schemas.microsoft.com/office/drawing/2010/main">
+        <mc:Choice Requires="a14">
           <p:sp>
             <p:nvSpPr>
               <p:cNvPr id="2" name="Titel 1">
@@ -4448,6 +4453,7 @@
               <a:bodyPr/>
               <a:lstStyle/>
               <a:p>
+                <a:pPr/>
                 <a14:m>
                   <m:oMathPara xmlns:m="http://schemas.openxmlformats.org/officeDocument/2006/math">
                     <m:oMathParaPr>
@@ -4505,7 +4511,7 @@
             </p:txBody>
           </p:sp>
         </mc:Choice>
-        <mc:Fallback>
+        <mc:Fallback xmlns="">
           <p:sp>
             <p:nvSpPr>
               <p:cNvPr id="2" name="Titel 1">
@@ -4717,8 +4723,8 @@
           </a:p>
         </p:txBody>
       </p:sp>
-      <mc:AlternateContent xmlns:mc="http://schemas.openxmlformats.org/markup-compatibility/2006">
-        <mc:Choice xmlns:p14="http://schemas.microsoft.com/office/powerpoint/2010/main" Requires="p14">
+      <mc:AlternateContent xmlns:mc="http://schemas.openxmlformats.org/markup-compatibility/2006" xmlns:p14="http://schemas.microsoft.com/office/powerpoint/2010/main">
+        <mc:Choice Requires="p14">
           <p:contentPart p14:bwMode="auto" r:id="rId5">
             <p14:nvContentPartPr>
               <p14:cNvPr id="11" name="Håndskrift 10">
@@ -4737,7 +4743,7 @@
             </p14:xfrm>
           </p:contentPart>
         </mc:Choice>
-        <mc:Fallback>
+        <mc:Fallback xmlns="">
           <p:pic>
             <p:nvPicPr>
               <p:cNvPr id="11" name="Håndskrift 10">
@@ -4768,8 +4774,8 @@
           </p:pic>
         </mc:Fallback>
       </mc:AlternateContent>
-      <mc:AlternateContent xmlns:mc="http://schemas.openxmlformats.org/markup-compatibility/2006">
-        <mc:Choice xmlns:p14="http://schemas.microsoft.com/office/powerpoint/2010/main" Requires="p14">
+      <mc:AlternateContent xmlns:mc="http://schemas.openxmlformats.org/markup-compatibility/2006" xmlns:p14="http://schemas.microsoft.com/office/powerpoint/2010/main">
+        <mc:Choice Requires="p14">
           <p:contentPart p14:bwMode="auto" r:id="rId7">
             <p14:nvContentPartPr>
               <p14:cNvPr id="12" name="Håndskrift 11">
@@ -4788,7 +4794,7 @@
             </p14:xfrm>
           </p:contentPart>
         </mc:Choice>
-        <mc:Fallback>
+        <mc:Fallback xmlns="">
           <p:pic>
             <p:nvPicPr>
               <p:cNvPr id="12" name="Håndskrift 11">
@@ -4849,8 +4855,8 @@
           </a:prstGeom>
         </p:spPr>
       </p:pic>
-      <mc:AlternateContent xmlns:mc="http://schemas.openxmlformats.org/markup-compatibility/2006">
-        <mc:Choice xmlns:a14="http://schemas.microsoft.com/office/drawing/2010/main" Requires="a14">
+      <mc:AlternateContent xmlns:mc="http://schemas.openxmlformats.org/markup-compatibility/2006" xmlns:a14="http://schemas.microsoft.com/office/drawing/2010/main">
+        <mc:Choice Requires="a14">
           <p:sp>
             <p:nvSpPr>
               <p:cNvPr id="15" name="Tekstfelt 14">
@@ -5003,7 +5009,7 @@
             </p:txBody>
           </p:sp>
         </mc:Choice>
-        <mc:Fallback>
+        <mc:Fallback xmlns="">
           <p:sp>
             <p:nvSpPr>
               <p:cNvPr id="15" name="Tekstfelt 14">
@@ -5394,8 +5400,8 @@
           </a:prstGeom>
         </p:spPr>
       </p:pic>
-      <mc:AlternateContent xmlns:mc="http://schemas.openxmlformats.org/markup-compatibility/2006">
-        <mc:Choice xmlns:a14="http://schemas.microsoft.com/office/drawing/2010/main" Requires="a14">
+      <mc:AlternateContent xmlns:mc="http://schemas.openxmlformats.org/markup-compatibility/2006" xmlns:a14="http://schemas.microsoft.com/office/drawing/2010/main">
+        <mc:Choice Requires="a14">
           <p:sp>
             <p:nvSpPr>
               <p:cNvPr id="6" name="Tekstfelt 5">
@@ -5522,7 +5528,7 @@
             </p:txBody>
           </p:sp>
         </mc:Choice>
-        <mc:Fallback>
+        <mc:Fallback xmlns="">
           <p:sp>
             <p:nvSpPr>
               <p:cNvPr id="6" name="Tekstfelt 5">
@@ -5661,8 +5667,8 @@
           </a:prstGeom>
         </p:spPr>
       </p:pic>
-      <mc:AlternateContent xmlns:mc="http://schemas.openxmlformats.org/markup-compatibility/2006">
-        <mc:Choice xmlns:a14="http://schemas.microsoft.com/office/drawing/2010/main" Requires="a14">
+      <mc:AlternateContent xmlns:mc="http://schemas.openxmlformats.org/markup-compatibility/2006" xmlns:a14="http://schemas.microsoft.com/office/drawing/2010/main">
+        <mc:Choice Requires="a14">
           <p:sp>
             <p:nvSpPr>
               <p:cNvPr id="10" name="Tekstfelt 9">
@@ -5726,6 +5732,7 @@
                 </a:r>
               </a:p>
               <a:p>
+                <a:pPr/>
                 <a14:m>
                   <m:oMathPara xmlns:m="http://schemas.openxmlformats.org/officeDocument/2006/math">
                     <m:oMathParaPr>
@@ -5771,7 +5778,7 @@
             </p:txBody>
           </p:sp>
         </mc:Choice>
-        <mc:Fallback>
+        <mc:Fallback xmlns="">
           <p:sp>
             <p:nvSpPr>
               <p:cNvPr id="10" name="Tekstfelt 9">
@@ -5958,8 +5965,8 @@
           </a:prstGeom>
         </p:spPr>
       </p:pic>
-      <mc:AlternateContent xmlns:mc="http://schemas.openxmlformats.org/markup-compatibility/2006">
-        <mc:Choice xmlns:a14="http://schemas.microsoft.com/office/drawing/2010/main" Requires="a14">
+      <mc:AlternateContent xmlns:mc="http://schemas.openxmlformats.org/markup-compatibility/2006" xmlns:a14="http://schemas.microsoft.com/office/drawing/2010/main">
+        <mc:Choice Requires="a14">
           <p:sp>
             <p:nvSpPr>
               <p:cNvPr id="6" name="Tekstfelt 5">
@@ -6076,7 +6083,7 @@
             </p:txBody>
           </p:sp>
         </mc:Choice>
-        <mc:Fallback>
+        <mc:Fallback xmlns="">
           <p:sp>
             <p:nvSpPr>
               <p:cNvPr id="6" name="Tekstfelt 5">
@@ -6868,8 +6875,8 @@
           </a:prstGeom>
         </p:spPr>
       </p:pic>
-      <mc:AlternateContent xmlns:mc="http://schemas.openxmlformats.org/markup-compatibility/2006">
-        <mc:Choice xmlns:p14="http://schemas.microsoft.com/office/powerpoint/2010/main" Requires="p14">
+      <mc:AlternateContent xmlns:mc="http://schemas.openxmlformats.org/markup-compatibility/2006" xmlns:p14="http://schemas.microsoft.com/office/powerpoint/2010/main">
+        <mc:Choice Requires="p14">
           <p:contentPart p14:bwMode="auto" r:id="rId4">
             <p14:nvContentPartPr>
               <p14:cNvPr id="10" name="Håndskrift 9">
@@ -6888,7 +6895,7 @@
             </p14:xfrm>
           </p:contentPart>
         </mc:Choice>
-        <mc:Fallback>
+        <mc:Fallback xmlns="">
           <p:pic>
             <p:nvPicPr>
               <p:cNvPr id="10" name="Håndskrift 9">
@@ -7028,7 +7035,7 @@
             <p:spPr>
               <a:xfrm>
                 <a:off x="91440" y="1435608"/>
-                <a:ext cx="2981970" cy="646331"/>
+                <a:ext cx="2880917" cy="646331"/>
               </a:xfrm>
               <a:prstGeom prst="rect">
                 <a:avLst/>
@@ -7047,6 +7054,7 @@
                 </a:r>
               </a:p>
               <a:p>
+                <a:pPr/>
                 <a14:m>
                   <m:oMathPara xmlns:m="http://schemas.openxmlformats.org/officeDocument/2006/math">
                     <m:oMathParaPr>
@@ -7113,7 +7121,7 @@
                         <a:rPr lang="en-US" b="0" i="1" smtClean="0">
                           <a:latin typeface="Cambria Math" panose="02040503050406030204" pitchFamily="18" charset="0"/>
                         </a:rPr>
-                        <m:t>−</m:t>
+                        <m:t>=</m:t>
                       </m:r>
                       <m:sSub>
                         <m:sSubPr>
@@ -7144,7 +7152,7 @@
                         <a:rPr lang="en-US" b="0" i="1" smtClean="0">
                           <a:latin typeface="Cambria Math" panose="02040503050406030204" pitchFamily="18" charset="0"/>
                         </a:rPr>
-                        <m:t>−</m:t>
+                        <m:t>=</m:t>
                       </m:r>
                       <m:sSub>
                         <m:sSubPr>
@@ -7175,7 +7183,7 @@
                         <a:rPr lang="en-US" b="0" i="1" smtClean="0">
                           <a:latin typeface="Cambria Math" panose="02040503050406030204" pitchFamily="18" charset="0"/>
                         </a:rPr>
-                        <m:t>−</m:t>
+                        <m:t>=</m:t>
                       </m:r>
                       <m:sSub>
                         <m:sSubPr>
@@ -7234,7 +7242,7 @@
             <p:spPr>
               <a:xfrm>
                 <a:off x="91440" y="1435608"/>
-                <a:ext cx="2981970" cy="646331"/>
+                <a:ext cx="2880917" cy="646331"/>
               </a:xfrm>
               <a:prstGeom prst="rect">
                 <a:avLst/>
@@ -7242,7 +7250,7 @@
               <a:blipFill>
                 <a:blip r:embed="rId6"/>
                 <a:stretch>
-                  <a:fillRect l="-1636" t="-4717" b="-943"/>
+                  <a:fillRect l="-1691" t="-4717" b="-943"/>
                 </a:stretch>
               </a:blipFill>
             </p:spPr>
@@ -7321,8 +7329,8 @@
           </a:prstGeom>
         </p:spPr>
       </p:pic>
-      <mc:AlternateContent xmlns:mc="http://schemas.openxmlformats.org/markup-compatibility/2006">
-        <mc:Choice xmlns:a14="http://schemas.microsoft.com/office/drawing/2010/main" Requires="a14">
+      <mc:AlternateContent xmlns:mc="http://schemas.openxmlformats.org/markup-compatibility/2006" xmlns:a14="http://schemas.microsoft.com/office/drawing/2010/main">
+        <mc:Choice Requires="a14">
           <p:sp>
             <p:nvSpPr>
               <p:cNvPr id="6" name="Tekstfelt 5">
@@ -7416,7 +7424,7 @@
             </p:txBody>
           </p:sp>
         </mc:Choice>
-        <mc:Fallback>
+        <mc:Fallback xmlns="">
           <p:sp>
             <p:nvSpPr>
               <p:cNvPr id="6" name="Tekstfelt 5">
@@ -7461,8 +7469,8 @@
           </p:sp>
         </mc:Fallback>
       </mc:AlternateContent>
-      <mc:AlternateContent xmlns:mc="http://schemas.openxmlformats.org/markup-compatibility/2006">
-        <mc:Choice xmlns:p14="http://schemas.microsoft.com/office/powerpoint/2010/main" Requires="p14">
+      <mc:AlternateContent xmlns:mc="http://schemas.openxmlformats.org/markup-compatibility/2006" xmlns:p14="http://schemas.microsoft.com/office/powerpoint/2010/main">
+        <mc:Choice Requires="p14">
           <p:contentPart p14:bwMode="auto" r:id="rId4">
             <p14:nvContentPartPr>
               <p14:cNvPr id="8" name="Håndskrift 7">
@@ -7481,7 +7489,7 @@
             </p14:xfrm>
           </p:contentPart>
         </mc:Choice>
-        <mc:Fallback>
+        <mc:Fallback xmlns="">
           <p:pic>
             <p:nvPicPr>
               <p:cNvPr id="8" name="Håndskrift 7">
@@ -7512,8 +7520,8 @@
           </p:pic>
         </mc:Fallback>
       </mc:AlternateContent>
-      <mc:AlternateContent xmlns:mc="http://schemas.openxmlformats.org/markup-compatibility/2006">
-        <mc:Choice xmlns:p14="http://schemas.microsoft.com/office/powerpoint/2010/main" Requires="p14">
+      <mc:AlternateContent xmlns:mc="http://schemas.openxmlformats.org/markup-compatibility/2006" xmlns:p14="http://schemas.microsoft.com/office/powerpoint/2010/main">
+        <mc:Choice Requires="p14">
           <p:contentPart p14:bwMode="auto" r:id="rId6">
             <p14:nvContentPartPr>
               <p14:cNvPr id="9" name="Håndskrift 8">
@@ -7532,7 +7540,7 @@
             </p14:xfrm>
           </p:contentPart>
         </mc:Choice>
-        <mc:Fallback>
+        <mc:Fallback xmlns="">
           <p:pic>
             <p:nvPicPr>
               <p:cNvPr id="9" name="Håndskrift 8">
@@ -7745,8 +7753,8 @@
           </a:prstGeom>
         </p:spPr>
       </p:pic>
-      <mc:AlternateContent xmlns:mc="http://schemas.openxmlformats.org/markup-compatibility/2006">
-        <mc:Choice xmlns:p14="http://schemas.microsoft.com/office/powerpoint/2010/main" Requires="p14">
+      <mc:AlternateContent xmlns:mc="http://schemas.openxmlformats.org/markup-compatibility/2006" xmlns:p14="http://schemas.microsoft.com/office/powerpoint/2010/main">
+        <mc:Choice Requires="p14">
           <p:contentPart p14:bwMode="auto" r:id="rId4">
             <p14:nvContentPartPr>
               <p14:cNvPr id="9" name="Håndskrift 8">
@@ -7765,7 +7773,7 @@
             </p14:xfrm>
           </p:contentPart>
         </mc:Choice>
-        <mc:Fallback>
+        <mc:Fallback xmlns="">
           <p:pic>
             <p:nvPicPr>
               <p:cNvPr id="9" name="Håndskrift 8">
@@ -7816,8 +7824,8 @@
             <a:chExt cx="298800" cy="244800"/>
           </a:xfrm>
         </p:grpSpPr>
-        <mc:AlternateContent xmlns:mc="http://schemas.openxmlformats.org/markup-compatibility/2006">
-          <mc:Choice xmlns:p14="http://schemas.microsoft.com/office/powerpoint/2010/main" Requires="p14">
+        <mc:AlternateContent xmlns:mc="http://schemas.openxmlformats.org/markup-compatibility/2006" xmlns:p14="http://schemas.microsoft.com/office/powerpoint/2010/main">
+          <mc:Choice Requires="p14">
             <p:contentPart p14:bwMode="auto" r:id="rId6">
               <p14:nvContentPartPr>
                 <p14:cNvPr id="11" name="Håndskrift 10">
@@ -7836,7 +7844,7 @@
               </p14:xfrm>
             </p:contentPart>
           </mc:Choice>
-          <mc:Fallback>
+          <mc:Fallback xmlns="">
             <p:pic>
               <p:nvPicPr>
                 <p:cNvPr id="11" name="Håndskrift 10">
@@ -7867,8 +7875,8 @@
             </p:pic>
           </mc:Fallback>
         </mc:AlternateContent>
-        <mc:AlternateContent xmlns:mc="http://schemas.openxmlformats.org/markup-compatibility/2006">
-          <mc:Choice xmlns:p14="http://schemas.microsoft.com/office/powerpoint/2010/main" Requires="p14">
+        <mc:AlternateContent xmlns:mc="http://schemas.openxmlformats.org/markup-compatibility/2006" xmlns:p14="http://schemas.microsoft.com/office/powerpoint/2010/main">
+          <mc:Choice Requires="p14">
             <p:contentPart p14:bwMode="auto" r:id="rId8">
               <p14:nvContentPartPr>
                 <p14:cNvPr id="12" name="Håndskrift 11">
@@ -7887,7 +7895,7 @@
               </p14:xfrm>
             </p:contentPart>
           </mc:Choice>
-          <mc:Fallback>
+          <mc:Fallback xmlns="">
             <p:pic>
               <p:nvPicPr>
                 <p:cNvPr id="12" name="Håndskrift 11">
@@ -7918,8 +7926,8 @@
             </p:pic>
           </mc:Fallback>
         </mc:AlternateContent>
-        <mc:AlternateContent xmlns:mc="http://schemas.openxmlformats.org/markup-compatibility/2006">
-          <mc:Choice xmlns:p14="http://schemas.microsoft.com/office/powerpoint/2010/main" Requires="p14">
+        <mc:AlternateContent xmlns:mc="http://schemas.openxmlformats.org/markup-compatibility/2006" xmlns:p14="http://schemas.microsoft.com/office/powerpoint/2010/main">
+          <mc:Choice Requires="p14">
             <p:contentPart p14:bwMode="auto" r:id="rId10">
               <p14:nvContentPartPr>
                 <p14:cNvPr id="14" name="Håndskrift 13">
@@ -7938,7 +7946,7 @@
               </p14:xfrm>
             </p:contentPart>
           </mc:Choice>
-          <mc:Fallback>
+          <mc:Fallback xmlns="">
             <p:pic>
               <p:nvPicPr>
                 <p:cNvPr id="14" name="Håndskrift 13">
@@ -8216,8 +8224,8 @@
           </a:prstGeom>
         </p:spPr>
       </p:pic>
-      <mc:AlternateContent xmlns:mc="http://schemas.openxmlformats.org/markup-compatibility/2006">
-        <mc:Choice xmlns:a14="http://schemas.microsoft.com/office/drawing/2010/main" Requires="a14">
+      <mc:AlternateContent xmlns:mc="http://schemas.openxmlformats.org/markup-compatibility/2006" xmlns:a14="http://schemas.microsoft.com/office/drawing/2010/main">
+        <mc:Choice Requires="a14">
           <p:sp>
             <p:nvSpPr>
               <p:cNvPr id="6" name="Tekstfelt 5">
@@ -8246,6 +8254,7 @@
               </a:bodyPr>
               <a:lstStyle/>
               <a:p>
+                <a:pPr/>
                 <a14:m>
                   <m:oMathPara xmlns:m="http://schemas.openxmlformats.org/officeDocument/2006/math">
                     <m:oMathParaPr>
@@ -8400,7 +8409,7 @@
             </p:txBody>
           </p:sp>
         </mc:Choice>
-        <mc:Fallback>
+        <mc:Fallback xmlns="">
           <p:sp>
             <p:nvSpPr>
               <p:cNvPr id="6" name="Tekstfelt 5">
@@ -8475,8 +8484,8 @@
           </a:prstGeom>
         </p:spPr>
       </p:pic>
-      <mc:AlternateContent xmlns:mc="http://schemas.openxmlformats.org/markup-compatibility/2006">
-        <mc:Choice xmlns:a14="http://schemas.microsoft.com/office/drawing/2010/main" Requires="a14">
+      <mc:AlternateContent xmlns:mc="http://schemas.openxmlformats.org/markup-compatibility/2006" xmlns:a14="http://schemas.microsoft.com/office/drawing/2010/main">
+        <mc:Choice Requires="a14">
           <p:sp>
             <p:nvSpPr>
               <p:cNvPr id="9" name="Tekstfelt 8">
@@ -8505,6 +8514,7 @@
               </a:bodyPr>
               <a:lstStyle/>
               <a:p>
+                <a:pPr/>
                 <a14:m>
                   <m:oMathPara xmlns:m="http://schemas.openxmlformats.org/officeDocument/2006/math">
                     <m:oMathParaPr>
@@ -8550,7 +8560,7 @@
             </p:txBody>
           </p:sp>
         </mc:Choice>
-        <mc:Fallback>
+        <mc:Fallback xmlns="">
           <p:sp>
             <p:nvSpPr>
               <p:cNvPr id="9" name="Tekstfelt 8">
@@ -8595,8 +8605,8 @@
           </p:sp>
         </mc:Fallback>
       </mc:AlternateContent>
-      <mc:AlternateContent xmlns:mc="http://schemas.openxmlformats.org/markup-compatibility/2006">
-        <mc:Choice xmlns:p14="http://schemas.microsoft.com/office/powerpoint/2010/main" Requires="p14">
+      <mc:AlternateContent xmlns:mc="http://schemas.openxmlformats.org/markup-compatibility/2006" xmlns:p14="http://schemas.microsoft.com/office/powerpoint/2010/main">
+        <mc:Choice Requires="p14">
           <p:contentPart p14:bwMode="auto" r:id="rId6">
             <p14:nvContentPartPr>
               <p14:cNvPr id="10" name="Håndskrift 9">
@@ -8615,7 +8625,7 @@
             </p14:xfrm>
           </p:contentPart>
         </mc:Choice>
-        <mc:Fallback>
+        <mc:Fallback xmlns="">
           <p:pic>
             <p:nvPicPr>
               <p:cNvPr id="10" name="Håndskrift 9">
@@ -8766,8 +8776,8 @@
           </a:p>
         </p:txBody>
       </p:sp>
-      <mc:AlternateContent xmlns:mc="http://schemas.openxmlformats.org/markup-compatibility/2006">
-        <mc:Choice xmlns:a14="http://schemas.microsoft.com/office/drawing/2010/main" Requires="a14">
+      <mc:AlternateContent xmlns:mc="http://schemas.openxmlformats.org/markup-compatibility/2006" xmlns:a14="http://schemas.microsoft.com/office/drawing/2010/main">
+        <mc:Choice Requires="a14">
           <p:sp>
             <p:nvSpPr>
               <p:cNvPr id="19" name="Tekstfelt 18">
@@ -8796,6 +8806,7 @@
               </a:bodyPr>
               <a:lstStyle/>
               <a:p>
+                <a:pPr/>
                 <a14:m>
                   <m:oMathPara xmlns:m="http://schemas.openxmlformats.org/officeDocument/2006/math">
                     <m:oMathParaPr>
@@ -8943,7 +8954,7 @@
             </p:txBody>
           </p:sp>
         </mc:Choice>
-        <mc:Fallback>
+        <mc:Fallback xmlns="">
           <p:sp>
             <p:nvSpPr>
               <p:cNvPr id="19" name="Tekstfelt 18">
@@ -8988,8 +8999,8 @@
           </p:sp>
         </mc:Fallback>
       </mc:AlternateContent>
-      <mc:AlternateContent xmlns:mc="http://schemas.openxmlformats.org/markup-compatibility/2006">
-        <mc:Choice xmlns:a14="http://schemas.microsoft.com/office/drawing/2010/main" Requires="a14">
+      <mc:AlternateContent xmlns:mc="http://schemas.openxmlformats.org/markup-compatibility/2006" xmlns:a14="http://schemas.microsoft.com/office/drawing/2010/main">
+        <mc:Choice Requires="a14">
           <p:sp>
             <p:nvSpPr>
               <p:cNvPr id="20" name="Tekstfelt 19">
@@ -9018,6 +9029,7 @@
               </a:bodyPr>
               <a:lstStyle/>
               <a:p>
+                <a:pPr/>
                 <a14:m>
                   <m:oMathPara xmlns:m="http://schemas.openxmlformats.org/officeDocument/2006/math">
                     <m:oMathParaPr>
@@ -9165,7 +9177,7 @@
             </p:txBody>
           </p:sp>
         </mc:Choice>
-        <mc:Fallback>
+        <mc:Fallback xmlns="">
           <p:sp>
             <p:nvSpPr>
               <p:cNvPr id="20" name="Tekstfelt 19">
@@ -9240,8 +9252,8 @@
           </a:prstGeom>
         </p:spPr>
       </p:pic>
-      <mc:AlternateContent xmlns:mc="http://schemas.openxmlformats.org/markup-compatibility/2006">
-        <mc:Choice xmlns:a14="http://schemas.microsoft.com/office/drawing/2010/main" Requires="a14">
+      <mc:AlternateContent xmlns:mc="http://schemas.openxmlformats.org/markup-compatibility/2006" xmlns:a14="http://schemas.microsoft.com/office/drawing/2010/main">
+        <mc:Choice Requires="a14">
           <p:sp>
             <p:nvSpPr>
               <p:cNvPr id="24" name="Tekstfelt 23">
@@ -9270,6 +9282,7 @@
               </a:bodyPr>
               <a:lstStyle/>
               <a:p>
+                <a:pPr/>
                 <a14:m>
                   <m:oMathPara xmlns:m="http://schemas.openxmlformats.org/officeDocument/2006/math">
                     <m:oMathParaPr>
@@ -9315,7 +9328,7 @@
             </p:txBody>
           </p:sp>
         </mc:Choice>
-        <mc:Fallback>
+        <mc:Fallback xmlns="">
           <p:sp>
             <p:nvSpPr>
               <p:cNvPr id="24" name="Tekstfelt 23">
@@ -9446,8 +9459,8 @@
           </a:p>
         </p:txBody>
       </p:sp>
-      <mc:AlternateContent xmlns:mc="http://schemas.openxmlformats.org/markup-compatibility/2006">
-        <mc:Choice xmlns:a14="http://schemas.microsoft.com/office/drawing/2010/main" Requires="a14">
+      <mc:AlternateContent xmlns:mc="http://schemas.openxmlformats.org/markup-compatibility/2006" xmlns:a14="http://schemas.microsoft.com/office/drawing/2010/main">
+        <mc:Choice Requires="a14">
           <p:sp>
             <p:nvSpPr>
               <p:cNvPr id="5" name="Tekstfelt 4">
@@ -9559,7 +9572,7 @@
             </p:txBody>
           </p:sp>
         </mc:Choice>
-        <mc:Fallback>
+        <mc:Fallback xmlns="">
           <p:sp>
             <p:nvSpPr>
               <p:cNvPr id="5" name="Tekstfelt 4">
@@ -9712,8 +9725,8 @@
           </a:p>
         </p:txBody>
       </p:sp>
-      <mc:AlternateContent xmlns:mc="http://schemas.openxmlformats.org/markup-compatibility/2006">
-        <mc:Choice xmlns:a14="http://schemas.microsoft.com/office/drawing/2010/main" Requires="a14">
+      <mc:AlternateContent xmlns:mc="http://schemas.openxmlformats.org/markup-compatibility/2006" xmlns:a14="http://schemas.microsoft.com/office/drawing/2010/main">
+        <mc:Choice Requires="a14">
           <p:sp>
             <p:nvSpPr>
               <p:cNvPr id="12" name="Tekstfelt 11">
@@ -9742,6 +9755,7 @@
               </a:bodyPr>
               <a:lstStyle/>
               <a:p>
+                <a:pPr/>
                 <a14:m>
                   <m:oMathPara xmlns:m="http://schemas.openxmlformats.org/officeDocument/2006/math">
                     <m:oMathParaPr>
@@ -9858,7 +9872,7 @@
             </p:txBody>
           </p:sp>
         </mc:Choice>
-        <mc:Fallback>
+        <mc:Fallback xmlns="">
           <p:sp>
             <p:nvSpPr>
               <p:cNvPr id="12" name="Tekstfelt 11">
@@ -9923,8 +9937,8 @@
             <a:chExt cx="453960" cy="249120"/>
           </a:xfrm>
         </p:grpSpPr>
-        <mc:AlternateContent xmlns:mc="http://schemas.openxmlformats.org/markup-compatibility/2006">
-          <mc:Choice xmlns:p14="http://schemas.microsoft.com/office/powerpoint/2010/main" Requires="p14">
+        <mc:AlternateContent xmlns:mc="http://schemas.openxmlformats.org/markup-compatibility/2006" xmlns:p14="http://schemas.microsoft.com/office/powerpoint/2010/main">
+          <mc:Choice Requires="p14">
             <p:contentPart p14:bwMode="auto" r:id="rId4">
               <p14:nvContentPartPr>
                 <p14:cNvPr id="14" name="Håndskrift 13">
@@ -9943,7 +9957,7 @@
               </p14:xfrm>
             </p:contentPart>
           </mc:Choice>
-          <mc:Fallback>
+          <mc:Fallback xmlns="">
             <p:pic>
               <p:nvPicPr>
                 <p:cNvPr id="14" name="Håndskrift 13">
@@ -9974,8 +9988,8 @@
             </p:pic>
           </mc:Fallback>
         </mc:AlternateContent>
-        <mc:AlternateContent xmlns:mc="http://schemas.openxmlformats.org/markup-compatibility/2006">
-          <mc:Choice xmlns:p14="http://schemas.microsoft.com/office/powerpoint/2010/main" Requires="p14">
+        <mc:AlternateContent xmlns:mc="http://schemas.openxmlformats.org/markup-compatibility/2006" xmlns:p14="http://schemas.microsoft.com/office/powerpoint/2010/main">
+          <mc:Choice Requires="p14">
             <p:contentPart p14:bwMode="auto" r:id="rId6">
               <p14:nvContentPartPr>
                 <p14:cNvPr id="15" name="Håndskrift 14">
@@ -9994,7 +10008,7 @@
               </p14:xfrm>
             </p:contentPart>
           </mc:Choice>
-          <mc:Fallback>
+          <mc:Fallback xmlns="">
             <p:pic>
               <p:nvPicPr>
                 <p:cNvPr id="15" name="Håndskrift 14">
@@ -10025,8 +10039,8 @@
             </p:pic>
           </mc:Fallback>
         </mc:AlternateContent>
-        <mc:AlternateContent xmlns:mc="http://schemas.openxmlformats.org/markup-compatibility/2006">
-          <mc:Choice xmlns:p14="http://schemas.microsoft.com/office/powerpoint/2010/main" Requires="p14">
+        <mc:AlternateContent xmlns:mc="http://schemas.openxmlformats.org/markup-compatibility/2006" xmlns:p14="http://schemas.microsoft.com/office/powerpoint/2010/main">
+          <mc:Choice Requires="p14">
             <p:contentPart p14:bwMode="auto" r:id="rId8">
               <p14:nvContentPartPr>
                 <p14:cNvPr id="16" name="Håndskrift 15">
@@ -10045,7 +10059,7 @@
               </p14:xfrm>
             </p:contentPart>
           </mc:Choice>
-          <mc:Fallback>
+          <mc:Fallback xmlns="">
             <p:pic>
               <p:nvPicPr>
                 <p:cNvPr id="16" name="Håndskrift 15">
@@ -10077,8 +10091,8 @@
           </mc:Fallback>
         </mc:AlternateContent>
       </p:grpSp>
-      <mc:AlternateContent xmlns:mc="http://schemas.openxmlformats.org/markup-compatibility/2006">
-        <mc:Choice xmlns:p14="http://schemas.microsoft.com/office/powerpoint/2010/main" Requires="p14">
+      <mc:AlternateContent xmlns:mc="http://schemas.openxmlformats.org/markup-compatibility/2006" xmlns:p14="http://schemas.microsoft.com/office/powerpoint/2010/main">
+        <mc:Choice Requires="p14">
           <p:contentPart p14:bwMode="auto" r:id="rId10">
             <p14:nvContentPartPr>
               <p14:cNvPr id="18" name="Håndskrift 17">
@@ -10097,7 +10111,7 @@
             </p14:xfrm>
           </p:contentPart>
         </mc:Choice>
-        <mc:Fallback>
+        <mc:Fallback xmlns="">
           <p:pic>
             <p:nvPicPr>
               <p:cNvPr id="18" name="Håndskrift 17">
@@ -10168,8 +10182,8 @@
           </a:p>
         </p:txBody>
       </p:sp>
-      <mc:AlternateContent xmlns:mc="http://schemas.openxmlformats.org/markup-compatibility/2006">
-        <mc:Choice xmlns:a14="http://schemas.microsoft.com/office/drawing/2010/main" Requires="a14">
+      <mc:AlternateContent xmlns:mc="http://schemas.openxmlformats.org/markup-compatibility/2006" xmlns:a14="http://schemas.microsoft.com/office/drawing/2010/main">
+        <mc:Choice Requires="a14">
           <p:sp>
             <p:nvSpPr>
               <p:cNvPr id="20" name="Tekstfelt 19">
@@ -10198,6 +10212,7 @@
               </a:bodyPr>
               <a:lstStyle/>
               <a:p>
+                <a:pPr/>
                 <a14:m>
                   <m:oMathPara xmlns:m="http://schemas.openxmlformats.org/officeDocument/2006/math">
                     <m:oMathParaPr>
@@ -10295,7 +10310,7 @@
             </p:txBody>
           </p:sp>
         </mc:Choice>
-        <mc:Fallback>
+        <mc:Fallback xmlns="">
           <p:sp>
             <p:nvSpPr>
               <p:cNvPr id="20" name="Tekstfelt 19">
@@ -10340,8 +10355,8 @@
           </p:sp>
         </mc:Fallback>
       </mc:AlternateContent>
-      <mc:AlternateContent xmlns:mc="http://schemas.openxmlformats.org/markup-compatibility/2006">
-        <mc:Choice xmlns:a14="http://schemas.microsoft.com/office/drawing/2010/main" Requires="a14">
+      <mc:AlternateContent xmlns:mc="http://schemas.openxmlformats.org/markup-compatibility/2006" xmlns:a14="http://schemas.microsoft.com/office/drawing/2010/main">
+        <mc:Choice Requires="a14">
           <p:sp>
             <p:nvSpPr>
               <p:cNvPr id="21" name="Tekstfelt 20">
@@ -10425,7 +10440,7 @@
             </p:txBody>
           </p:sp>
         </mc:Choice>
-        <mc:Fallback>
+        <mc:Fallback xmlns="">
           <p:sp>
             <p:nvSpPr>
               <p:cNvPr id="21" name="Tekstfelt 20">
@@ -10560,8 +10575,8 @@
           </a:prstGeom>
         </p:spPr>
       </p:pic>
-      <mc:AlternateContent xmlns:mc="http://schemas.openxmlformats.org/markup-compatibility/2006">
-        <mc:Choice xmlns:p14="http://schemas.microsoft.com/office/powerpoint/2010/main" Requires="p14">
+      <mc:AlternateContent xmlns:mc="http://schemas.openxmlformats.org/markup-compatibility/2006" xmlns:p14="http://schemas.microsoft.com/office/powerpoint/2010/main">
+        <mc:Choice Requires="p14">
           <p:contentPart p14:bwMode="auto" r:id="rId4">
             <p14:nvContentPartPr>
               <p14:cNvPr id="14" name="Håndskrift 13">
@@ -10580,7 +10595,7 @@
             </p14:xfrm>
           </p:contentPart>
         </mc:Choice>
-        <mc:Fallback>
+        <mc:Fallback xmlns="">
           <p:pic>
             <p:nvPicPr>
               <p:cNvPr id="14" name="Håndskrift 13">
@@ -10655,8 +10670,8 @@
           </a:p>
         </p:txBody>
       </p:sp>
-      <mc:AlternateContent xmlns:mc="http://schemas.openxmlformats.org/markup-compatibility/2006">
-        <mc:Choice xmlns:p14="http://schemas.microsoft.com/office/powerpoint/2010/main" xmlns:aink="http://schemas.microsoft.com/office/drawing/2016/ink" Requires="p14 aink">
+      <mc:AlternateContent xmlns:mc="http://schemas.openxmlformats.org/markup-compatibility/2006" xmlns:p14="http://schemas.microsoft.com/office/powerpoint/2010/main" xmlns:aink="http://schemas.microsoft.com/office/drawing/2016/ink">
+        <mc:Choice Requires="p14 aink">
           <p:contentPart p14:bwMode="auto" r:id="rId6">
             <p14:nvContentPartPr>
               <p14:cNvPr id="17" name="Håndskrift 16">
@@ -10675,7 +10690,7 @@
             </p14:xfrm>
           </p:contentPart>
         </mc:Choice>
-        <mc:Fallback>
+        <mc:Fallback xmlns="">
           <p:pic>
             <p:nvPicPr>
               <p:cNvPr id="17" name="Håndskrift 16">
@@ -10750,8 +10765,8 @@
           </a:p>
         </p:txBody>
       </p:sp>
-      <mc:AlternateContent xmlns:mc="http://schemas.openxmlformats.org/markup-compatibility/2006">
-        <mc:Choice xmlns:p14="http://schemas.microsoft.com/office/powerpoint/2010/main" xmlns:aink="http://schemas.microsoft.com/office/drawing/2016/ink" Requires="p14 aink">
+      <mc:AlternateContent xmlns:mc="http://schemas.openxmlformats.org/markup-compatibility/2006" xmlns:p14="http://schemas.microsoft.com/office/powerpoint/2010/main" xmlns:aink="http://schemas.microsoft.com/office/drawing/2016/ink">
+        <mc:Choice Requires="p14 aink">
           <p:contentPart p14:bwMode="auto" r:id="rId8">
             <p14:nvContentPartPr>
               <p14:cNvPr id="19" name="Håndskrift 18">
@@ -10770,7 +10785,7 @@
             </p14:xfrm>
           </p:contentPart>
         </mc:Choice>
-        <mc:Fallback>
+        <mc:Fallback xmlns="">
           <p:pic>
             <p:nvPicPr>
               <p:cNvPr id="19" name="Håndskrift 18">
@@ -10943,8 +10958,8 @@
           </a:prstGeom>
         </p:spPr>
       </p:pic>
-      <mc:AlternateContent xmlns:mc="http://schemas.openxmlformats.org/markup-compatibility/2006">
-        <mc:Choice xmlns:p14="http://schemas.microsoft.com/office/powerpoint/2010/main" Requires="p14">
+      <mc:AlternateContent xmlns:mc="http://schemas.openxmlformats.org/markup-compatibility/2006" xmlns:p14="http://schemas.microsoft.com/office/powerpoint/2010/main">
+        <mc:Choice Requires="p14">
           <p:contentPart p14:bwMode="auto" r:id="rId4">
             <p14:nvContentPartPr>
               <p14:cNvPr id="13" name="Håndskrift 12">
@@ -10963,7 +10978,7 @@
             </p14:xfrm>
           </p:contentPart>
         </mc:Choice>
-        <mc:Fallback>
+        <mc:Fallback xmlns="">
           <p:pic>
             <p:nvPicPr>
               <p:cNvPr id="13" name="Håndskrift 12">
@@ -10994,8 +11009,8 @@
           </p:pic>
         </mc:Fallback>
       </mc:AlternateContent>
-      <mc:AlternateContent xmlns:mc="http://schemas.openxmlformats.org/markup-compatibility/2006">
-        <mc:Choice xmlns:p14="http://schemas.microsoft.com/office/powerpoint/2010/main" Requires="p14">
+      <mc:AlternateContent xmlns:mc="http://schemas.openxmlformats.org/markup-compatibility/2006" xmlns:p14="http://schemas.microsoft.com/office/powerpoint/2010/main">
+        <mc:Choice Requires="p14">
           <p:contentPart p14:bwMode="auto" r:id="rId6">
             <p14:nvContentPartPr>
               <p14:cNvPr id="14" name="Håndskrift 13">
@@ -11014,7 +11029,7 @@
             </p14:xfrm>
           </p:contentPart>
         </mc:Choice>
-        <mc:Fallback>
+        <mc:Fallback xmlns="">
           <p:pic>
             <p:nvPicPr>
               <p:cNvPr id="14" name="Håndskrift 13">
@@ -11201,8 +11216,8 @@
           </a:p>
         </p:txBody>
       </p:sp>
-      <mc:AlternateContent xmlns:mc="http://schemas.openxmlformats.org/markup-compatibility/2006">
-        <mc:Choice xmlns:p14="http://schemas.microsoft.com/office/powerpoint/2010/main" Requires="p14">
+      <mc:AlternateContent xmlns:mc="http://schemas.openxmlformats.org/markup-compatibility/2006" xmlns:p14="http://schemas.microsoft.com/office/powerpoint/2010/main">
+        <mc:Choice Requires="p14">
           <p:contentPart p14:bwMode="auto" r:id="rId10">
             <p14:nvContentPartPr>
               <p14:cNvPr id="21" name="Håndskrift 20">
@@ -11221,7 +11236,7 @@
             </p14:xfrm>
           </p:contentPart>
         </mc:Choice>
-        <mc:Fallback>
+        <mc:Fallback xmlns="">
           <p:pic>
             <p:nvPicPr>
               <p:cNvPr id="21" name="Håndskrift 20">
@@ -11252,8 +11267,8 @@
           </p:pic>
         </mc:Fallback>
       </mc:AlternateContent>
-      <mc:AlternateContent xmlns:mc="http://schemas.openxmlformats.org/markup-compatibility/2006">
-        <mc:Choice xmlns:p14="http://schemas.microsoft.com/office/powerpoint/2010/main" Requires="p14">
+      <mc:AlternateContent xmlns:mc="http://schemas.openxmlformats.org/markup-compatibility/2006" xmlns:p14="http://schemas.microsoft.com/office/powerpoint/2010/main">
+        <mc:Choice Requires="p14">
           <p:contentPart p14:bwMode="auto" r:id="rId12">
             <p14:nvContentPartPr>
               <p14:cNvPr id="22" name="Håndskrift 21">
@@ -11272,7 +11287,7 @@
             </p14:xfrm>
           </p:contentPart>
         </mc:Choice>
-        <mc:Fallback>
+        <mc:Fallback xmlns="">
           <p:pic>
             <p:nvPicPr>
               <p:cNvPr id="22" name="Håndskrift 21">
@@ -11303,8 +11318,8 @@
           </p:pic>
         </mc:Fallback>
       </mc:AlternateContent>
-      <mc:AlternateContent xmlns:mc="http://schemas.openxmlformats.org/markup-compatibility/2006">
-        <mc:Choice xmlns:a14="http://schemas.microsoft.com/office/drawing/2010/main" Requires="a14">
+      <mc:AlternateContent xmlns:mc="http://schemas.openxmlformats.org/markup-compatibility/2006" xmlns:a14="http://schemas.microsoft.com/office/drawing/2010/main">
+        <mc:Choice Requires="a14">
           <p:sp>
             <p:nvSpPr>
               <p:cNvPr id="23" name="Tekstfelt 22">
@@ -11445,7 +11460,7 @@
             </p:txBody>
           </p:sp>
         </mc:Choice>
-        <mc:Fallback>
+        <mc:Fallback xmlns="">
           <p:sp>
             <p:nvSpPr>
               <p:cNvPr id="23" name="Tekstfelt 22">
@@ -11520,8 +11535,8 @@
           <a:chExt cx="0" cy="0"/>
         </a:xfrm>
       </p:grpSpPr>
-      <mc:AlternateContent xmlns:mc="http://schemas.openxmlformats.org/markup-compatibility/2006">
-        <mc:Choice xmlns:a14="http://schemas.microsoft.com/office/drawing/2010/main" Requires="a14">
+      <mc:AlternateContent xmlns:mc="http://schemas.openxmlformats.org/markup-compatibility/2006" xmlns:a14="http://schemas.microsoft.com/office/drawing/2010/main">
+        <mc:Choice Requires="a14">
           <p:sp>
             <p:nvSpPr>
               <p:cNvPr id="6" name="Tekstfelt 5">
@@ -11550,6 +11565,7 @@
               </a:bodyPr>
               <a:lstStyle/>
               <a:p>
+                <a:pPr/>
                 <a14:m>
                   <m:oMathPara xmlns:m="http://schemas.openxmlformats.org/officeDocument/2006/math">
                     <m:oMathParaPr>
@@ -11595,7 +11611,7 @@
             </p:txBody>
           </p:sp>
         </mc:Choice>
-        <mc:Fallback>
+        <mc:Fallback xmlns="">
           <p:sp>
             <p:nvSpPr>
               <p:cNvPr id="6" name="Tekstfelt 5">
@@ -11670,8 +11686,8 @@
           </a:prstGeom>
         </p:spPr>
       </p:pic>
-      <mc:AlternateContent xmlns:mc="http://schemas.openxmlformats.org/markup-compatibility/2006">
-        <mc:Choice xmlns:p14="http://schemas.microsoft.com/office/powerpoint/2010/main" Requires="p14">
+      <mc:AlternateContent xmlns:mc="http://schemas.openxmlformats.org/markup-compatibility/2006" xmlns:p14="http://schemas.microsoft.com/office/powerpoint/2010/main">
+        <mc:Choice Requires="p14">
           <p:contentPart p14:bwMode="auto" r:id="rId4">
             <p14:nvContentPartPr>
               <p14:cNvPr id="11" name="Håndskrift 10">
@@ -11690,7 +11706,7 @@
             </p14:xfrm>
           </p:contentPart>
         </mc:Choice>
-        <mc:Fallback>
+        <mc:Fallback xmlns="">
           <p:pic>
             <p:nvPicPr>
               <p:cNvPr id="11" name="Håndskrift 10">
@@ -11721,8 +11737,8 @@
           </p:pic>
         </mc:Fallback>
       </mc:AlternateContent>
-      <mc:AlternateContent xmlns:mc="http://schemas.openxmlformats.org/markup-compatibility/2006">
-        <mc:Choice xmlns:p14="http://schemas.microsoft.com/office/powerpoint/2010/main" Requires="p14">
+      <mc:AlternateContent xmlns:mc="http://schemas.openxmlformats.org/markup-compatibility/2006" xmlns:p14="http://schemas.microsoft.com/office/powerpoint/2010/main">
+        <mc:Choice Requires="p14">
           <p:contentPart p14:bwMode="auto" r:id="rId6">
             <p14:nvContentPartPr>
               <p14:cNvPr id="12" name="Håndskrift 11">
@@ -11741,7 +11757,7 @@
             </p14:xfrm>
           </p:contentPart>
         </mc:Choice>
-        <mc:Fallback>
+        <mc:Fallback xmlns="">
           <p:pic>
             <p:nvPicPr>
               <p:cNvPr id="12" name="Håndskrift 11">
@@ -11814,8 +11830,8 @@
           </a:p>
         </p:txBody>
       </p:sp>
-      <mc:AlternateContent xmlns:mc="http://schemas.openxmlformats.org/markup-compatibility/2006">
-        <mc:Choice xmlns:a14="http://schemas.microsoft.com/office/drawing/2010/main" Requires="a14">
+      <mc:AlternateContent xmlns:mc="http://schemas.openxmlformats.org/markup-compatibility/2006" xmlns:a14="http://schemas.microsoft.com/office/drawing/2010/main">
+        <mc:Choice Requires="a14">
           <p:sp>
             <p:nvSpPr>
               <p:cNvPr id="14" name="Tekstfelt 13">
@@ -11910,7 +11926,7 @@
             </p:txBody>
           </p:sp>
         </mc:Choice>
-        <mc:Fallback>
+        <mc:Fallback xmlns="">
           <p:sp>
             <p:nvSpPr>
               <p:cNvPr id="14" name="Tekstfelt 13">
@@ -11999,8 +12015,8 @@
           </a:p>
         </p:txBody>
       </p:sp>
-      <mc:AlternateContent xmlns:mc="http://schemas.openxmlformats.org/markup-compatibility/2006">
-        <mc:Choice xmlns:a14="http://schemas.microsoft.com/office/drawing/2010/main" Requires="a14">
+      <mc:AlternateContent xmlns:mc="http://schemas.openxmlformats.org/markup-compatibility/2006" xmlns:a14="http://schemas.microsoft.com/office/drawing/2010/main">
+        <mc:Choice Requires="a14">
           <p:sp>
             <p:nvSpPr>
               <p:cNvPr id="16" name="Tekstfelt 15">
@@ -12029,6 +12045,7 @@
               </a:bodyPr>
               <a:lstStyle/>
               <a:p>
+                <a:pPr/>
                 <a14:m>
                   <m:oMathPara xmlns:m="http://schemas.openxmlformats.org/officeDocument/2006/math">
                     <m:oMathParaPr>
@@ -12055,7 +12072,7 @@
             </p:txBody>
           </p:sp>
         </mc:Choice>
-        <mc:Fallback>
+        <mc:Fallback xmlns="">
           <p:sp>
             <p:nvSpPr>
               <p:cNvPr id="16" name="Tekstfelt 15">
@@ -12200,8 +12217,8 @@
           </a:prstGeom>
         </p:spPr>
       </p:pic>
-      <mc:AlternateContent xmlns:mc="http://schemas.openxmlformats.org/markup-compatibility/2006">
-        <mc:Choice xmlns:a14="http://schemas.microsoft.com/office/drawing/2010/main" Requires="a14">
+      <mc:AlternateContent xmlns:mc="http://schemas.openxmlformats.org/markup-compatibility/2006" xmlns:a14="http://schemas.microsoft.com/office/drawing/2010/main">
+        <mc:Choice Requires="a14">
           <p:sp>
             <p:nvSpPr>
               <p:cNvPr id="4" name="Tekstfelt 3">
@@ -12230,6 +12247,7 @@
               </a:bodyPr>
               <a:lstStyle/>
               <a:p>
+                <a:pPr/>
                 <a14:m>
                   <m:oMathPara xmlns:m="http://schemas.openxmlformats.org/officeDocument/2006/math">
                     <m:oMathParaPr>
@@ -12382,7 +12400,7 @@
             </p:txBody>
           </p:sp>
         </mc:Choice>
-        <mc:Fallback>
+        <mc:Fallback xmlns="">
           <p:sp>
             <p:nvSpPr>
               <p:cNvPr id="4" name="Tekstfelt 3">
@@ -12427,8 +12445,8 @@
           </p:sp>
         </mc:Fallback>
       </mc:AlternateContent>
-      <mc:AlternateContent xmlns:mc="http://schemas.openxmlformats.org/markup-compatibility/2006">
-        <mc:Choice xmlns:a14="http://schemas.microsoft.com/office/drawing/2010/main" Requires="a14">
+      <mc:AlternateContent xmlns:mc="http://schemas.openxmlformats.org/markup-compatibility/2006" xmlns:a14="http://schemas.microsoft.com/office/drawing/2010/main">
+        <mc:Choice Requires="a14">
           <p:sp>
             <p:nvSpPr>
               <p:cNvPr id="5" name="Tekstfelt 4">
@@ -12457,6 +12475,7 @@
               </a:bodyPr>
               <a:lstStyle/>
               <a:p>
+                <a:pPr/>
                 <a14:m>
                   <m:oMathPara xmlns:m="http://schemas.openxmlformats.org/officeDocument/2006/math">
                     <m:oMathParaPr>
@@ -12609,7 +12628,7 @@
             </p:txBody>
           </p:sp>
         </mc:Choice>
-        <mc:Fallback>
+        <mc:Fallback xmlns="">
           <p:sp>
             <p:nvSpPr>
               <p:cNvPr id="5" name="Tekstfelt 4">
@@ -12654,8 +12673,8 @@
           </p:sp>
         </mc:Fallback>
       </mc:AlternateContent>
-      <mc:AlternateContent xmlns:mc="http://schemas.openxmlformats.org/markup-compatibility/2006">
-        <mc:Choice xmlns:p14="http://schemas.microsoft.com/office/powerpoint/2010/main" Requires="p14">
+      <mc:AlternateContent xmlns:mc="http://schemas.openxmlformats.org/markup-compatibility/2006" xmlns:p14="http://schemas.microsoft.com/office/powerpoint/2010/main">
+        <mc:Choice Requires="p14">
           <p:contentPart p14:bwMode="auto" r:id="rId5">
             <p14:nvContentPartPr>
               <p14:cNvPr id="6" name="Håndskrift 5">
@@ -12674,7 +12693,7 @@
             </p14:xfrm>
           </p:contentPart>
         </mc:Choice>
-        <mc:Fallback>
+        <mc:Fallback xmlns="">
           <p:pic>
             <p:nvPicPr>
               <p:cNvPr id="6" name="Håndskrift 5">
@@ -12705,8 +12724,8 @@
           </p:pic>
         </mc:Fallback>
       </mc:AlternateContent>
-      <mc:AlternateContent xmlns:mc="http://schemas.openxmlformats.org/markup-compatibility/2006">
-        <mc:Choice xmlns:p14="http://schemas.microsoft.com/office/powerpoint/2010/main" Requires="p14">
+      <mc:AlternateContent xmlns:mc="http://schemas.openxmlformats.org/markup-compatibility/2006" xmlns:p14="http://schemas.microsoft.com/office/powerpoint/2010/main">
+        <mc:Choice Requires="p14">
           <p:contentPart p14:bwMode="auto" r:id="rId7">
             <p14:nvContentPartPr>
               <p14:cNvPr id="7" name="Håndskrift 6">
@@ -12725,7 +12744,7 @@
             </p14:xfrm>
           </p:contentPart>
         </mc:Choice>
-        <mc:Fallback>
+        <mc:Fallback xmlns="">
           <p:pic>
             <p:nvPicPr>
               <p:cNvPr id="7" name="Håndskrift 6">
@@ -12756,8 +12775,8 @@
           </p:pic>
         </mc:Fallback>
       </mc:AlternateContent>
-      <mc:AlternateContent xmlns:mc="http://schemas.openxmlformats.org/markup-compatibility/2006">
-        <mc:Choice xmlns:a14="http://schemas.microsoft.com/office/drawing/2010/main" Requires="a14">
+      <mc:AlternateContent xmlns:mc="http://schemas.openxmlformats.org/markup-compatibility/2006" xmlns:a14="http://schemas.microsoft.com/office/drawing/2010/main">
+        <mc:Choice Requires="a14">
           <p:sp>
             <p:nvSpPr>
               <p:cNvPr id="8" name="Tekstfelt 7">
@@ -12786,6 +12805,7 @@
               </a:bodyPr>
               <a:lstStyle/>
               <a:p>
+                <a:pPr/>
                 <a14:m>
                   <m:oMathPara xmlns:m="http://schemas.openxmlformats.org/officeDocument/2006/math">
                     <m:oMathParaPr>
@@ -12831,7 +12851,7 @@
             </p:txBody>
           </p:sp>
         </mc:Choice>
-        <mc:Fallback>
+        <mc:Fallback xmlns="">
           <p:sp>
             <p:nvSpPr>
               <p:cNvPr id="8" name="Tekstfelt 7">
@@ -12876,8 +12896,8 @@
           </p:sp>
         </mc:Fallback>
       </mc:AlternateContent>
-      <mc:AlternateContent xmlns:mc="http://schemas.openxmlformats.org/markup-compatibility/2006">
-        <mc:Choice xmlns:a14="http://schemas.microsoft.com/office/drawing/2010/main" Requires="a14">
+      <mc:AlternateContent xmlns:mc="http://schemas.openxmlformats.org/markup-compatibility/2006" xmlns:a14="http://schemas.microsoft.com/office/drawing/2010/main">
+        <mc:Choice Requires="a14">
           <p:sp>
             <p:nvSpPr>
               <p:cNvPr id="11" name="Tekstfelt 10">
@@ -12906,6 +12926,7 @@
               </a:bodyPr>
               <a:lstStyle/>
               <a:p>
+                <a:pPr/>
                 <a14:m>
                   <m:oMathPara xmlns:m="http://schemas.openxmlformats.org/officeDocument/2006/math">
                     <m:oMathParaPr>
@@ -13107,7 +13128,7 @@
             </p:txBody>
           </p:sp>
         </mc:Choice>
-        <mc:Fallback>
+        <mc:Fallback xmlns="">
           <p:sp>
             <p:nvSpPr>
               <p:cNvPr id="11" name="Tekstfelt 10">
@@ -13152,8 +13173,8 @@
           </p:sp>
         </mc:Fallback>
       </mc:AlternateContent>
-      <mc:AlternateContent xmlns:mc="http://schemas.openxmlformats.org/markup-compatibility/2006">
-        <mc:Choice xmlns:a14="http://schemas.microsoft.com/office/drawing/2010/main" Requires="a14">
+      <mc:AlternateContent xmlns:mc="http://schemas.openxmlformats.org/markup-compatibility/2006" xmlns:a14="http://schemas.microsoft.com/office/drawing/2010/main">
+        <mc:Choice Requires="a14">
           <p:sp>
             <p:nvSpPr>
               <p:cNvPr id="12" name="Tekstfelt 11">
@@ -13230,7 +13251,7 @@
             </p:txBody>
           </p:sp>
         </mc:Choice>
-        <mc:Fallback>
+        <mc:Fallback xmlns="">
           <p:sp>
             <p:nvSpPr>
               <p:cNvPr id="12" name="Tekstfelt 11">
@@ -13275,8 +13296,8 @@
           </p:sp>
         </mc:Fallback>
       </mc:AlternateContent>
-      <mc:AlternateContent xmlns:mc="http://schemas.openxmlformats.org/markup-compatibility/2006">
-        <mc:Choice xmlns:a14="http://schemas.microsoft.com/office/drawing/2010/main" Requires="a14">
+      <mc:AlternateContent xmlns:mc="http://schemas.openxmlformats.org/markup-compatibility/2006" xmlns:a14="http://schemas.microsoft.com/office/drawing/2010/main">
+        <mc:Choice Requires="a14">
           <p:sp>
             <p:nvSpPr>
               <p:cNvPr id="13" name="Tekstfelt 12">
@@ -13305,6 +13326,7 @@
               </a:bodyPr>
               <a:lstStyle/>
               <a:p>
+                <a:pPr/>
                 <a14:m>
                   <m:oMathPara xmlns:m="http://schemas.openxmlformats.org/officeDocument/2006/math">
                     <m:oMathParaPr>
@@ -13531,7 +13553,7 @@
             </p:txBody>
           </p:sp>
         </mc:Choice>
-        <mc:Fallback>
+        <mc:Fallback xmlns="">
           <p:sp>
             <p:nvSpPr>
               <p:cNvPr id="13" name="Tekstfelt 12">
@@ -13576,8 +13598,8 @@
           </p:sp>
         </mc:Fallback>
       </mc:AlternateContent>
-      <mc:AlternateContent xmlns:mc="http://schemas.openxmlformats.org/markup-compatibility/2006">
-        <mc:Choice xmlns:a14="http://schemas.microsoft.com/office/drawing/2010/main" Requires="a14">
+      <mc:AlternateContent xmlns:mc="http://schemas.openxmlformats.org/markup-compatibility/2006" xmlns:a14="http://schemas.microsoft.com/office/drawing/2010/main">
+        <mc:Choice Requires="a14">
           <p:sp>
             <p:nvSpPr>
               <p:cNvPr id="17" name="Tekstfelt 16">
@@ -13606,6 +13628,7 @@
               </a:bodyPr>
               <a:lstStyle/>
               <a:p>
+                <a:pPr/>
                 <a14:m>
                   <m:oMathPara xmlns:m="http://schemas.openxmlformats.org/officeDocument/2006/math">
                     <m:oMathParaPr>
@@ -13654,7 +13677,7 @@
             </p:txBody>
           </p:sp>
         </mc:Choice>
-        <mc:Fallback>
+        <mc:Fallback xmlns="">
           <p:sp>
             <p:nvSpPr>
               <p:cNvPr id="17" name="Tekstfelt 16">
@@ -13699,8 +13722,8 @@
           </p:sp>
         </mc:Fallback>
       </mc:AlternateContent>
-      <mc:AlternateContent xmlns:mc="http://schemas.openxmlformats.org/markup-compatibility/2006">
-        <mc:Choice xmlns:a14="http://schemas.microsoft.com/office/drawing/2010/main" Requires="a14">
+      <mc:AlternateContent xmlns:mc="http://schemas.openxmlformats.org/markup-compatibility/2006" xmlns:a14="http://schemas.microsoft.com/office/drawing/2010/main">
+        <mc:Choice Requires="a14">
           <p:sp>
             <p:nvSpPr>
               <p:cNvPr id="19" name="Tekstfelt 18">
@@ -13729,6 +13752,7 @@
               </a:bodyPr>
               <a:lstStyle/>
               <a:p>
+                <a:pPr/>
                 <a14:m>
                   <m:oMathPara xmlns:m="http://schemas.openxmlformats.org/officeDocument/2006/math">
                     <m:oMathParaPr>
@@ -13777,7 +13801,7 @@
             </p:txBody>
           </p:sp>
         </mc:Choice>
-        <mc:Fallback>
+        <mc:Fallback xmlns="">
           <p:sp>
             <p:nvSpPr>
               <p:cNvPr id="19" name="Tekstfelt 18">
@@ -13822,8 +13846,8 @@
           </p:sp>
         </mc:Fallback>
       </mc:AlternateContent>
-      <mc:AlternateContent xmlns:mc="http://schemas.openxmlformats.org/markup-compatibility/2006">
-        <mc:Choice xmlns:a14="http://schemas.microsoft.com/office/drawing/2010/main" Requires="a14">
+      <mc:AlternateContent xmlns:mc="http://schemas.openxmlformats.org/markup-compatibility/2006" xmlns:a14="http://schemas.microsoft.com/office/drawing/2010/main">
+        <mc:Choice Requires="a14">
           <p:sp>
             <p:nvSpPr>
               <p:cNvPr id="20" name="Tekstfelt 19">
@@ -13852,6 +13876,7 @@
               </a:bodyPr>
               <a:lstStyle/>
               <a:p>
+                <a:pPr/>
                 <a14:m>
                   <m:oMathPara xmlns:m="http://schemas.openxmlformats.org/officeDocument/2006/math">
                     <m:oMathParaPr>
@@ -13936,7 +13961,7 @@
             </p:txBody>
           </p:sp>
         </mc:Choice>
-        <mc:Fallback>
+        <mc:Fallback xmlns="">
           <p:sp>
             <p:nvSpPr>
               <p:cNvPr id="20" name="Tekstfelt 19">
@@ -13981,8 +14006,8 @@
           </p:sp>
         </mc:Fallback>
       </mc:AlternateContent>
-      <mc:AlternateContent xmlns:mc="http://schemas.openxmlformats.org/markup-compatibility/2006">
-        <mc:Choice xmlns:a14="http://schemas.microsoft.com/office/drawing/2010/main" Requires="a14">
+      <mc:AlternateContent xmlns:mc="http://schemas.openxmlformats.org/markup-compatibility/2006" xmlns:a14="http://schemas.microsoft.com/office/drawing/2010/main">
+        <mc:Choice Requires="a14">
           <p:sp>
             <p:nvSpPr>
               <p:cNvPr id="21" name="Tekstfelt 20">
@@ -14011,6 +14036,7 @@
               </a:bodyPr>
               <a:lstStyle/>
               <a:p>
+                <a:pPr/>
                 <a14:m>
                   <m:oMathPara xmlns:m="http://schemas.openxmlformats.org/officeDocument/2006/math">
                     <m:oMathParaPr>
@@ -14095,7 +14121,7 @@
             </p:txBody>
           </p:sp>
         </mc:Choice>
-        <mc:Fallback>
+        <mc:Fallback xmlns="">
           <p:sp>
             <p:nvSpPr>
               <p:cNvPr id="21" name="Tekstfelt 20">
@@ -14334,8 +14360,8 @@
           </a:prstGeom>
         </p:spPr>
       </p:pic>
-      <mc:AlternateContent xmlns:mc="http://schemas.openxmlformats.org/markup-compatibility/2006">
-        <mc:Choice xmlns:a14="http://schemas.microsoft.com/office/drawing/2010/main" Requires="a14">
+      <mc:AlternateContent xmlns:mc="http://schemas.openxmlformats.org/markup-compatibility/2006" xmlns:a14="http://schemas.microsoft.com/office/drawing/2010/main">
+        <mc:Choice Requires="a14">
           <p:sp>
             <p:nvSpPr>
               <p:cNvPr id="10" name="Tekstfelt 9">
@@ -14420,7 +14446,7 @@
             </p:txBody>
           </p:sp>
         </mc:Choice>
-        <mc:Fallback>
+        <mc:Fallback xmlns="">
           <p:sp>
             <p:nvSpPr>
               <p:cNvPr id="10" name="Tekstfelt 9">
@@ -14495,8 +14521,8 @@
           <a:chExt cx="0" cy="0"/>
         </a:xfrm>
       </p:grpSpPr>
-      <mc:AlternateContent xmlns:mc="http://schemas.openxmlformats.org/markup-compatibility/2006">
-        <mc:Choice xmlns:a14="http://schemas.microsoft.com/office/drawing/2010/main" Requires="a14">
+      <mc:AlternateContent xmlns:mc="http://schemas.openxmlformats.org/markup-compatibility/2006" xmlns:a14="http://schemas.microsoft.com/office/drawing/2010/main">
+        <mc:Choice Requires="a14">
           <p:sp>
             <p:nvSpPr>
               <p:cNvPr id="2" name="Titel 1">
@@ -14560,7 +14586,7 @@
             </p:txBody>
           </p:sp>
         </mc:Choice>
-        <mc:Fallback>
+        <mc:Fallback xmlns="">
           <p:sp>
             <p:nvSpPr>
               <p:cNvPr id="2" name="Titel 1">
@@ -14698,8 +14724,8 @@
           </a:p>
         </p:txBody>
       </p:sp>
-      <mc:AlternateContent xmlns:mc="http://schemas.openxmlformats.org/markup-compatibility/2006">
-        <mc:Choice xmlns:p14="http://schemas.microsoft.com/office/powerpoint/2010/main" Requires="p14">
+      <mc:AlternateContent xmlns:mc="http://schemas.openxmlformats.org/markup-compatibility/2006" xmlns:p14="http://schemas.microsoft.com/office/powerpoint/2010/main">
+        <mc:Choice Requires="p14">
           <p:contentPart p14:bwMode="auto" r:id="rId4">
             <p14:nvContentPartPr>
               <p14:cNvPr id="7" name="Håndskrift 6">
@@ -14718,7 +14744,7 @@
             </p14:xfrm>
           </p:contentPart>
         </mc:Choice>
-        <mc:Fallback>
+        <mc:Fallback xmlns="">
           <p:pic>
             <p:nvPicPr>
               <p:cNvPr id="7" name="Håndskrift 6">
@@ -14821,8 +14847,8 @@
           </a:p>
         </p:txBody>
       </p:sp>
-      <mc:AlternateContent xmlns:mc="http://schemas.openxmlformats.org/markup-compatibility/2006">
-        <mc:Choice xmlns:a14="http://schemas.microsoft.com/office/drawing/2010/main" Requires="a14">
+      <mc:AlternateContent xmlns:mc="http://schemas.openxmlformats.org/markup-compatibility/2006" xmlns:a14="http://schemas.microsoft.com/office/drawing/2010/main">
+        <mc:Choice Requires="a14">
           <p:sp>
             <p:nvSpPr>
               <p:cNvPr id="9" name="Tekstfelt 8">
@@ -14851,6 +14877,7 @@
               </a:bodyPr>
               <a:lstStyle/>
               <a:p>
+                <a:pPr/>
                 <a14:m>
                   <m:oMathPara xmlns:m="http://schemas.openxmlformats.org/officeDocument/2006/math">
                     <m:oMathParaPr>
@@ -15057,7 +15084,7 @@
             </p:txBody>
           </p:sp>
         </mc:Choice>
-        <mc:Fallback>
+        <mc:Fallback xmlns="">
           <p:sp>
             <p:nvSpPr>
               <p:cNvPr id="9" name="Tekstfelt 8">
@@ -15132,8 +15159,8 @@
           <a:chExt cx="0" cy="0"/>
         </a:xfrm>
       </p:grpSpPr>
-      <mc:AlternateContent xmlns:mc="http://schemas.openxmlformats.org/markup-compatibility/2006">
-        <mc:Choice xmlns:a14="http://schemas.microsoft.com/office/drawing/2010/main" Requires="a14">
+      <mc:AlternateContent xmlns:mc="http://schemas.openxmlformats.org/markup-compatibility/2006" xmlns:a14="http://schemas.microsoft.com/office/drawing/2010/main">
+        <mc:Choice Requires="a14">
           <p:sp>
             <p:nvSpPr>
               <p:cNvPr id="2" name="Titel 1">
@@ -15225,7 +15252,7 @@
             </p:txBody>
           </p:sp>
         </mc:Choice>
-        <mc:Fallback>
+        <mc:Fallback xmlns="">
           <p:sp>
             <p:nvSpPr>
               <p:cNvPr id="2" name="Titel 1">
@@ -15315,8 +15342,8 @@
             <a:chExt cx="1793520" cy="1422720"/>
           </a:xfrm>
         </p:grpSpPr>
-        <mc:AlternateContent xmlns:mc="http://schemas.openxmlformats.org/markup-compatibility/2006">
-          <mc:Choice xmlns:p14="http://schemas.microsoft.com/office/powerpoint/2010/main" Requires="p14">
+        <mc:AlternateContent xmlns:mc="http://schemas.openxmlformats.org/markup-compatibility/2006" xmlns:p14="http://schemas.microsoft.com/office/powerpoint/2010/main">
+          <mc:Choice Requires="p14">
             <p:contentPart p14:bwMode="auto" r:id="rId4">
               <p14:nvContentPartPr>
                 <p14:cNvPr id="15" name="Håndskrift 14">
@@ -15335,7 +15362,7 @@
               </p14:xfrm>
             </p:contentPart>
           </mc:Choice>
-          <mc:Fallback>
+          <mc:Fallback xmlns="">
             <p:pic>
               <p:nvPicPr>
                 <p:cNvPr id="15" name="Håndskrift 14">
@@ -15366,8 +15393,8 @@
             </p:pic>
           </mc:Fallback>
         </mc:AlternateContent>
-        <mc:AlternateContent xmlns:mc="http://schemas.openxmlformats.org/markup-compatibility/2006">
-          <mc:Choice xmlns:p14="http://schemas.microsoft.com/office/powerpoint/2010/main" Requires="p14">
+        <mc:AlternateContent xmlns:mc="http://schemas.openxmlformats.org/markup-compatibility/2006" xmlns:p14="http://schemas.microsoft.com/office/powerpoint/2010/main">
+          <mc:Choice Requires="p14">
             <p:contentPart p14:bwMode="auto" r:id="rId6">
               <p14:nvContentPartPr>
                 <p14:cNvPr id="16" name="Håndskrift 15">
@@ -15386,7 +15413,7 @@
               </p14:xfrm>
             </p:contentPart>
           </mc:Choice>
-          <mc:Fallback>
+          <mc:Fallback xmlns="">
             <p:pic>
               <p:nvPicPr>
                 <p:cNvPr id="16" name="Håndskrift 15">
@@ -15417,8 +15444,8 @@
             </p:pic>
           </mc:Fallback>
         </mc:AlternateContent>
-        <mc:AlternateContent xmlns:mc="http://schemas.openxmlformats.org/markup-compatibility/2006">
-          <mc:Choice xmlns:p14="http://schemas.microsoft.com/office/powerpoint/2010/main" Requires="p14">
+        <mc:AlternateContent xmlns:mc="http://schemas.openxmlformats.org/markup-compatibility/2006" xmlns:p14="http://schemas.microsoft.com/office/powerpoint/2010/main">
+          <mc:Choice Requires="p14">
             <p:contentPart p14:bwMode="auto" r:id="rId8">
               <p14:nvContentPartPr>
                 <p14:cNvPr id="17" name="Håndskrift 16">
@@ -15437,7 +15464,7 @@
               </p14:xfrm>
             </p:contentPart>
           </mc:Choice>
-          <mc:Fallback>
+          <mc:Fallback xmlns="">
             <p:pic>
               <p:nvPicPr>
                 <p:cNvPr id="17" name="Håndskrift 16">
@@ -15469,8 +15496,8 @@
           </mc:Fallback>
         </mc:AlternateContent>
       </p:grpSp>
-      <mc:AlternateContent xmlns:mc="http://schemas.openxmlformats.org/markup-compatibility/2006">
-        <mc:Choice xmlns:a14="http://schemas.microsoft.com/office/drawing/2010/main" Requires="a14">
+      <mc:AlternateContent xmlns:mc="http://schemas.openxmlformats.org/markup-compatibility/2006" xmlns:a14="http://schemas.microsoft.com/office/drawing/2010/main">
+        <mc:Choice Requires="a14">
           <p:sp>
             <p:nvSpPr>
               <p:cNvPr id="19" name="Tekstfelt 18">
@@ -15576,7 +15603,7 @@
             </p:txBody>
           </p:sp>
         </mc:Choice>
-        <mc:Fallback>
+        <mc:Fallback xmlns="">
           <p:sp>
             <p:nvSpPr>
               <p:cNvPr id="19" name="Tekstfelt 18">
@@ -15757,8 +15784,8 @@
           </a:prstGeom>
         </p:spPr>
       </p:pic>
-      <mc:AlternateContent xmlns:mc="http://schemas.openxmlformats.org/markup-compatibility/2006">
-        <mc:Choice xmlns:a14="http://schemas.microsoft.com/office/drawing/2010/main" Requires="a14">
+      <mc:AlternateContent xmlns:mc="http://schemas.openxmlformats.org/markup-compatibility/2006" xmlns:a14="http://schemas.microsoft.com/office/drawing/2010/main">
+        <mc:Choice Requires="a14">
           <p:sp>
             <p:nvSpPr>
               <p:cNvPr id="9" name="Tekstfelt 8">
@@ -15844,7 +15871,7 @@
             </p:txBody>
           </p:sp>
         </mc:Choice>
-        <mc:Fallback>
+        <mc:Fallback xmlns="">
           <p:sp>
             <p:nvSpPr>
               <p:cNvPr id="9" name="Tekstfelt 8">
@@ -15933,8 +15960,8 @@
           </a:p>
         </p:txBody>
       </p:sp>
-      <mc:AlternateContent xmlns:mc="http://schemas.openxmlformats.org/markup-compatibility/2006">
-        <mc:Choice xmlns:a14="http://schemas.microsoft.com/office/drawing/2010/main" Requires="a14">
+      <mc:AlternateContent xmlns:mc="http://schemas.openxmlformats.org/markup-compatibility/2006" xmlns:a14="http://schemas.microsoft.com/office/drawing/2010/main">
+        <mc:Choice Requires="a14">
           <p:sp>
             <p:nvSpPr>
               <p:cNvPr id="11" name="Tekstfelt 10">
@@ -16011,7 +16038,7 @@
             </p:txBody>
           </p:sp>
         </mc:Choice>
-        <mc:Fallback>
+        <mc:Fallback xmlns="">
           <p:sp>
             <p:nvSpPr>
               <p:cNvPr id="11" name="Tekstfelt 10">
@@ -16086,8 +16113,8 @@
           </a:prstGeom>
         </p:spPr>
       </p:pic>
-      <mc:AlternateContent xmlns:mc="http://schemas.openxmlformats.org/markup-compatibility/2006">
-        <mc:Choice xmlns:a14="http://schemas.microsoft.com/office/drawing/2010/main" Requires="a14">
+      <mc:AlternateContent xmlns:mc="http://schemas.openxmlformats.org/markup-compatibility/2006" xmlns:a14="http://schemas.microsoft.com/office/drawing/2010/main">
+        <mc:Choice Requires="a14">
           <p:sp>
             <p:nvSpPr>
               <p:cNvPr id="14" name="Tekstfelt 13">
@@ -16116,6 +16143,7 @@
               </a:bodyPr>
               <a:lstStyle/>
               <a:p>
+                <a:pPr/>
                 <a14:m>
                   <m:oMathPara xmlns:m="http://schemas.openxmlformats.org/officeDocument/2006/math">
                     <m:oMathParaPr>
@@ -16167,7 +16195,7 @@
             </p:txBody>
           </p:sp>
         </mc:Choice>
-        <mc:Fallback>
+        <mc:Fallback xmlns="">
           <p:sp>
             <p:nvSpPr>
               <p:cNvPr id="14" name="Tekstfelt 13">
@@ -16282,8 +16310,8 @@
           </a:p>
         </p:txBody>
       </p:sp>
-      <mc:AlternateContent xmlns:mc="http://schemas.openxmlformats.org/markup-compatibility/2006">
-        <mc:Choice xmlns:a14="http://schemas.microsoft.com/office/drawing/2010/main" Requires="a14">
+      <mc:AlternateContent xmlns:mc="http://schemas.openxmlformats.org/markup-compatibility/2006" xmlns:a14="http://schemas.microsoft.com/office/drawing/2010/main">
+        <mc:Choice Requires="a14">
           <p:sp>
             <p:nvSpPr>
               <p:cNvPr id="4" name="Tekstfelt 3">
@@ -16312,6 +16340,7 @@
               </a:bodyPr>
               <a:lstStyle/>
               <a:p>
+                <a:pPr/>
                 <a14:m>
                   <m:oMathPara xmlns:m="http://schemas.openxmlformats.org/officeDocument/2006/math">
                     <m:oMathParaPr>
@@ -16582,7 +16611,7 @@
             </p:txBody>
           </p:sp>
         </mc:Choice>
-        <mc:Fallback>
+        <mc:Fallback xmlns="">
           <p:sp>
             <p:nvSpPr>
               <p:cNvPr id="4" name="Tekstfelt 3">
@@ -16647,8 +16676,8 @@
             <a:chExt cx="397440" cy="300960"/>
           </a:xfrm>
         </p:grpSpPr>
-        <mc:AlternateContent xmlns:mc="http://schemas.openxmlformats.org/markup-compatibility/2006">
-          <mc:Choice xmlns:p14="http://schemas.microsoft.com/office/powerpoint/2010/main" Requires="p14">
+        <mc:AlternateContent xmlns:mc="http://schemas.openxmlformats.org/markup-compatibility/2006" xmlns:p14="http://schemas.microsoft.com/office/powerpoint/2010/main">
+          <mc:Choice Requires="p14">
             <p:contentPart p14:bwMode="auto" r:id="rId3">
               <p14:nvContentPartPr>
                 <p14:cNvPr id="11" name="Håndskrift 10">
@@ -16667,7 +16696,7 @@
               </p14:xfrm>
             </p:contentPart>
           </mc:Choice>
-          <mc:Fallback>
+          <mc:Fallback xmlns="">
             <p:pic>
               <p:nvPicPr>
                 <p:cNvPr id="11" name="Håndskrift 10">
@@ -16698,8 +16727,8 @@
             </p:pic>
           </mc:Fallback>
         </mc:AlternateContent>
-        <mc:AlternateContent xmlns:mc="http://schemas.openxmlformats.org/markup-compatibility/2006">
-          <mc:Choice xmlns:p14="http://schemas.microsoft.com/office/powerpoint/2010/main" Requires="p14">
+        <mc:AlternateContent xmlns:mc="http://schemas.openxmlformats.org/markup-compatibility/2006" xmlns:p14="http://schemas.microsoft.com/office/powerpoint/2010/main">
+          <mc:Choice Requires="p14">
             <p:contentPart p14:bwMode="auto" r:id="rId5">
               <p14:nvContentPartPr>
                 <p14:cNvPr id="12" name="Håndskrift 11">
@@ -16718,7 +16747,7 @@
               </p14:xfrm>
             </p:contentPart>
           </mc:Choice>
-          <mc:Fallback>
+          <mc:Fallback xmlns="">
             <p:pic>
               <p:nvPicPr>
                 <p:cNvPr id="12" name="Håndskrift 11">
@@ -16749,8 +16778,8 @@
             </p:pic>
           </mc:Fallback>
         </mc:AlternateContent>
-        <mc:AlternateContent xmlns:mc="http://schemas.openxmlformats.org/markup-compatibility/2006">
-          <mc:Choice xmlns:p14="http://schemas.microsoft.com/office/powerpoint/2010/main" Requires="p14">
+        <mc:AlternateContent xmlns:mc="http://schemas.openxmlformats.org/markup-compatibility/2006" xmlns:p14="http://schemas.microsoft.com/office/powerpoint/2010/main">
+          <mc:Choice Requires="p14">
             <p:contentPart p14:bwMode="auto" r:id="rId7">
               <p14:nvContentPartPr>
                 <p14:cNvPr id="13" name="Håndskrift 12">
@@ -16769,7 +16798,7 @@
               </p14:xfrm>
             </p:contentPart>
           </mc:Choice>
-          <mc:Fallback>
+          <mc:Fallback xmlns="">
             <p:pic>
               <p:nvPicPr>
                 <p:cNvPr id="13" name="Håndskrift 12">
@@ -16821,8 +16850,8 @@
             <a:chExt cx="276120" cy="217080"/>
           </a:xfrm>
         </p:grpSpPr>
-        <mc:AlternateContent xmlns:mc="http://schemas.openxmlformats.org/markup-compatibility/2006">
-          <mc:Choice xmlns:p14="http://schemas.microsoft.com/office/powerpoint/2010/main" Requires="p14">
+        <mc:AlternateContent xmlns:mc="http://schemas.openxmlformats.org/markup-compatibility/2006" xmlns:p14="http://schemas.microsoft.com/office/powerpoint/2010/main">
+          <mc:Choice Requires="p14">
             <p:contentPart p14:bwMode="auto" r:id="rId9">
               <p14:nvContentPartPr>
                 <p14:cNvPr id="15" name="Håndskrift 14">
@@ -16841,7 +16870,7 @@
               </p14:xfrm>
             </p:contentPart>
           </mc:Choice>
-          <mc:Fallback>
+          <mc:Fallback xmlns="">
             <p:pic>
               <p:nvPicPr>
                 <p:cNvPr id="15" name="Håndskrift 14">
@@ -16872,8 +16901,8 @@
             </p:pic>
           </mc:Fallback>
         </mc:AlternateContent>
-        <mc:AlternateContent xmlns:mc="http://schemas.openxmlformats.org/markup-compatibility/2006">
-          <mc:Choice xmlns:p14="http://schemas.microsoft.com/office/powerpoint/2010/main" Requires="p14">
+        <mc:AlternateContent xmlns:mc="http://schemas.openxmlformats.org/markup-compatibility/2006" xmlns:p14="http://schemas.microsoft.com/office/powerpoint/2010/main">
+          <mc:Choice Requires="p14">
             <p:contentPart p14:bwMode="auto" r:id="rId11">
               <p14:nvContentPartPr>
                 <p14:cNvPr id="16" name="Håndskrift 15">
@@ -16892,7 +16921,7 @@
               </p14:xfrm>
             </p:contentPart>
           </mc:Choice>
-          <mc:Fallback>
+          <mc:Fallback xmlns="">
             <p:pic>
               <p:nvPicPr>
                 <p:cNvPr id="16" name="Håndskrift 15">
@@ -16923,8 +16952,8 @@
             </p:pic>
           </mc:Fallback>
         </mc:AlternateContent>
-        <mc:AlternateContent xmlns:mc="http://schemas.openxmlformats.org/markup-compatibility/2006">
-          <mc:Choice xmlns:p14="http://schemas.microsoft.com/office/powerpoint/2010/main" Requires="p14">
+        <mc:AlternateContent xmlns:mc="http://schemas.openxmlformats.org/markup-compatibility/2006" xmlns:p14="http://schemas.microsoft.com/office/powerpoint/2010/main">
+          <mc:Choice Requires="p14">
             <p:contentPart p14:bwMode="auto" r:id="rId13">
               <p14:nvContentPartPr>
                 <p14:cNvPr id="17" name="Håndskrift 16">
@@ -16943,7 +16972,7 @@
               </p14:xfrm>
             </p:contentPart>
           </mc:Choice>
-          <mc:Fallback>
+          <mc:Fallback xmlns="">
             <p:pic>
               <p:nvPicPr>
                 <p:cNvPr id="17" name="Håndskrift 16">
@@ -16975,8 +17004,8 @@
           </mc:Fallback>
         </mc:AlternateContent>
       </p:grpSp>
-      <mc:AlternateContent xmlns:mc="http://schemas.openxmlformats.org/markup-compatibility/2006">
-        <mc:Choice xmlns:a14="http://schemas.microsoft.com/office/drawing/2010/main" Requires="a14">
+      <mc:AlternateContent xmlns:mc="http://schemas.openxmlformats.org/markup-compatibility/2006" xmlns:a14="http://schemas.microsoft.com/office/drawing/2010/main">
+        <mc:Choice Requires="a14">
           <p:sp>
             <p:nvSpPr>
               <p:cNvPr id="19" name="Tekstfelt 18">
@@ -17005,6 +17034,7 @@
               </a:bodyPr>
               <a:lstStyle/>
               <a:p>
+                <a:pPr/>
                 <a14:m>
                   <m:oMathPara xmlns:m="http://schemas.openxmlformats.org/officeDocument/2006/math">
                     <m:oMathParaPr>
@@ -17081,7 +17111,7 @@
             </p:txBody>
           </p:sp>
         </mc:Choice>
-        <mc:Fallback>
+        <mc:Fallback xmlns="">
           <p:sp>
             <p:nvSpPr>
               <p:cNvPr id="19" name="Tekstfelt 18">
@@ -17126,8 +17156,8 @@
           </p:sp>
         </mc:Fallback>
       </mc:AlternateContent>
-      <mc:AlternateContent xmlns:mc="http://schemas.openxmlformats.org/markup-compatibility/2006">
-        <mc:Choice xmlns:a14="http://schemas.microsoft.com/office/drawing/2010/main" Requires="a14">
+      <mc:AlternateContent xmlns:mc="http://schemas.openxmlformats.org/markup-compatibility/2006" xmlns:a14="http://schemas.microsoft.com/office/drawing/2010/main">
+        <mc:Choice Requires="a14">
           <p:sp>
             <p:nvSpPr>
               <p:cNvPr id="20" name="Tekstfelt 19">
@@ -17262,7 +17292,7 @@
             </p:txBody>
           </p:sp>
         </mc:Choice>
-        <mc:Fallback>
+        <mc:Fallback xmlns="">
           <p:sp>
             <p:nvSpPr>
               <p:cNvPr id="20" name="Tekstfelt 19">
@@ -17337,8 +17367,8 @@
           </a:prstGeom>
         </p:spPr>
       </p:pic>
-      <mc:AlternateContent xmlns:mc="http://schemas.openxmlformats.org/markup-compatibility/2006">
-        <mc:Choice xmlns:a14="http://schemas.microsoft.com/office/drawing/2010/main" Requires="a14">
+      <mc:AlternateContent xmlns:mc="http://schemas.openxmlformats.org/markup-compatibility/2006" xmlns:a14="http://schemas.microsoft.com/office/drawing/2010/main">
+        <mc:Choice Requires="a14">
           <p:sp>
             <p:nvSpPr>
               <p:cNvPr id="23" name="Tekstfelt 22">
@@ -17373,6 +17403,7 @@
                 </a:r>
               </a:p>
               <a:p>
+                <a:pPr/>
                 <a14:m>
                   <m:oMathPara xmlns:m="http://schemas.openxmlformats.org/officeDocument/2006/math">
                     <m:oMathParaPr>
@@ -17759,7 +17790,7 @@
             </p:txBody>
           </p:sp>
         </mc:Choice>
-        <mc:Fallback>
+        <mc:Fallback xmlns="">
           <p:sp>
             <p:nvSpPr>
               <p:cNvPr id="23" name="Tekstfelt 22">
@@ -17804,8 +17835,8 @@
           </p:sp>
         </mc:Fallback>
       </mc:AlternateContent>
-      <mc:AlternateContent xmlns:mc="http://schemas.openxmlformats.org/markup-compatibility/2006">
-        <mc:Choice xmlns:a14="http://schemas.microsoft.com/office/drawing/2010/main" Requires="a14">
+      <mc:AlternateContent xmlns:mc="http://schemas.openxmlformats.org/markup-compatibility/2006" xmlns:a14="http://schemas.microsoft.com/office/drawing/2010/main">
+        <mc:Choice Requires="a14">
           <p:sp>
             <p:nvSpPr>
               <p:cNvPr id="24" name="Tekstfelt 23">
@@ -17893,7 +17924,7 @@
             </p:txBody>
           </p:sp>
         </mc:Choice>
-        <mc:Fallback>
+        <mc:Fallback xmlns="">
           <p:sp>
             <p:nvSpPr>
               <p:cNvPr id="24" name="Tekstfelt 23">
@@ -18040,8 +18071,8 @@
           </a:p>
         </p:txBody>
       </p:sp>
-      <mc:AlternateContent xmlns:mc="http://schemas.openxmlformats.org/markup-compatibility/2006">
-        <mc:Choice xmlns:a14="http://schemas.microsoft.com/office/drawing/2010/main" Requires="a14">
+      <mc:AlternateContent xmlns:mc="http://schemas.openxmlformats.org/markup-compatibility/2006" xmlns:a14="http://schemas.microsoft.com/office/drawing/2010/main">
+        <mc:Choice Requires="a14">
           <p:sp>
             <p:nvSpPr>
               <p:cNvPr id="30" name="Tekstfelt 29">
@@ -18130,7 +18161,7 @@
             </p:txBody>
           </p:sp>
         </mc:Choice>
-        <mc:Fallback>
+        <mc:Fallback xmlns="">
           <p:sp>
             <p:nvSpPr>
               <p:cNvPr id="30" name="Tekstfelt 29">

--- a/Statistik ex/Workshop 2 Fremlægning.pptx
+++ b/Statistik ex/Workshop 2 Fremlægning.pptx
@@ -1268,7 +1268,7 @@
           <a:p>
             <a:fld id="{6727B57E-A020-48BC-A743-533819CDDD22}" type="datetimeFigureOut">
               <a:rPr lang="da-DK" smtClean="0"/>
-              <a:t>16-01-2025</a:t>
+              <a:t>17-01-2025</a:t>
             </a:fld>
             <a:endParaRPr lang="da-DK"/>
           </a:p>
@@ -1466,7 +1466,7 @@
           <a:p>
             <a:fld id="{6727B57E-A020-48BC-A743-533819CDDD22}" type="datetimeFigureOut">
               <a:rPr lang="da-DK" smtClean="0"/>
-              <a:t>16-01-2025</a:t>
+              <a:t>17-01-2025</a:t>
             </a:fld>
             <a:endParaRPr lang="da-DK"/>
           </a:p>
@@ -1674,7 +1674,7 @@
           <a:p>
             <a:fld id="{6727B57E-A020-48BC-A743-533819CDDD22}" type="datetimeFigureOut">
               <a:rPr lang="da-DK" smtClean="0"/>
-              <a:t>16-01-2025</a:t>
+              <a:t>17-01-2025</a:t>
             </a:fld>
             <a:endParaRPr lang="da-DK"/>
           </a:p>
@@ -1872,7 +1872,7 @@
           <a:p>
             <a:fld id="{6727B57E-A020-48BC-A743-533819CDDD22}" type="datetimeFigureOut">
               <a:rPr lang="da-DK" smtClean="0"/>
-              <a:t>16-01-2025</a:t>
+              <a:t>17-01-2025</a:t>
             </a:fld>
             <a:endParaRPr lang="da-DK"/>
           </a:p>
@@ -2147,7 +2147,7 @@
           <a:p>
             <a:fld id="{6727B57E-A020-48BC-A743-533819CDDD22}" type="datetimeFigureOut">
               <a:rPr lang="da-DK" smtClean="0"/>
-              <a:t>16-01-2025</a:t>
+              <a:t>17-01-2025</a:t>
             </a:fld>
             <a:endParaRPr lang="da-DK"/>
           </a:p>
@@ -2412,7 +2412,7 @@
           <a:p>
             <a:fld id="{6727B57E-A020-48BC-A743-533819CDDD22}" type="datetimeFigureOut">
               <a:rPr lang="da-DK" smtClean="0"/>
-              <a:t>16-01-2025</a:t>
+              <a:t>17-01-2025</a:t>
             </a:fld>
             <a:endParaRPr lang="da-DK"/>
           </a:p>
@@ -2824,7 +2824,7 @@
           <a:p>
             <a:fld id="{6727B57E-A020-48BC-A743-533819CDDD22}" type="datetimeFigureOut">
               <a:rPr lang="da-DK" smtClean="0"/>
-              <a:t>16-01-2025</a:t>
+              <a:t>17-01-2025</a:t>
             </a:fld>
             <a:endParaRPr lang="da-DK"/>
           </a:p>
@@ -2965,7 +2965,7 @@
           <a:p>
             <a:fld id="{6727B57E-A020-48BC-A743-533819CDDD22}" type="datetimeFigureOut">
               <a:rPr lang="da-DK" smtClean="0"/>
-              <a:t>16-01-2025</a:t>
+              <a:t>17-01-2025</a:t>
             </a:fld>
             <a:endParaRPr lang="da-DK"/>
           </a:p>
@@ -3078,7 +3078,7 @@
           <a:p>
             <a:fld id="{6727B57E-A020-48BC-A743-533819CDDD22}" type="datetimeFigureOut">
               <a:rPr lang="da-DK" smtClean="0"/>
-              <a:t>16-01-2025</a:t>
+              <a:t>17-01-2025</a:t>
             </a:fld>
             <a:endParaRPr lang="da-DK"/>
           </a:p>
@@ -3389,7 +3389,7 @@
           <a:p>
             <a:fld id="{6727B57E-A020-48BC-A743-533819CDDD22}" type="datetimeFigureOut">
               <a:rPr lang="da-DK" smtClean="0"/>
-              <a:t>16-01-2025</a:t>
+              <a:t>17-01-2025</a:t>
             </a:fld>
             <a:endParaRPr lang="da-DK"/>
           </a:p>
@@ -3677,7 +3677,7 @@
           <a:p>
             <a:fld id="{6727B57E-A020-48BC-A743-533819CDDD22}" type="datetimeFigureOut">
               <a:rPr lang="da-DK" smtClean="0"/>
-              <a:t>16-01-2025</a:t>
+              <a:t>17-01-2025</a:t>
             </a:fld>
             <a:endParaRPr lang="da-DK"/>
           </a:p>
@@ -3918,7 +3918,7 @@
           <a:p>
             <a:fld id="{6727B57E-A020-48BC-A743-533819CDDD22}" type="datetimeFigureOut">
               <a:rPr lang="da-DK" smtClean="0"/>
-              <a:t>16-01-2025</a:t>
+              <a:t>17-01-2025</a:t>
             </a:fld>
             <a:endParaRPr lang="da-DK"/>
           </a:p>
@@ -7018,8 +7018,8 @@
           </a:p>
         </p:txBody>
       </p:sp>
-      <mc:AlternateContent xmlns:mc="http://schemas.openxmlformats.org/markup-compatibility/2006">
-        <mc:Choice xmlns:a14="http://schemas.microsoft.com/office/drawing/2010/main" Requires="a14">
+      <mc:AlternateContent xmlns:mc="http://schemas.openxmlformats.org/markup-compatibility/2006" xmlns:a14="http://schemas.microsoft.com/office/drawing/2010/main">
+        <mc:Choice Requires="a14">
           <p:sp>
             <p:nvSpPr>
               <p:cNvPr id="12" name="Tekstfelt 11">
@@ -7224,7 +7224,7 @@
             </p:txBody>
           </p:sp>
         </mc:Choice>
-        <mc:Fallback>
+        <mc:Fallback xmlns="">
           <p:sp>
             <p:nvSpPr>
               <p:cNvPr id="12" name="Tekstfelt 11">
@@ -7992,7 +7992,7 @@
         </p:nvSpPr>
         <p:spPr>
           <a:xfrm>
-            <a:off x="4061254" y="3452861"/>
+            <a:off x="6110638" y="1751944"/>
             <a:ext cx="1963102" cy="369332"/>
           </a:xfrm>
           <a:prstGeom prst="rect">
@@ -8036,7 +8036,7 @@
         </p:nvSpPr>
         <p:spPr>
           <a:xfrm>
-            <a:off x="6216190" y="1763323"/>
+            <a:off x="3808042" y="3448341"/>
             <a:ext cx="3551229" cy="369332"/>
           </a:xfrm>
           <a:prstGeom prst="rect">
